--- a/다빈치의 소주잔 기획안/다빈치의 소주잔 기획안 v1.0.2.pptx
+++ b/다빈치의 소주잔 기획안/다빈치의 소주잔 기획안 v1.0.2.pptx
@@ -3447,7 +3447,7 @@
           <p:cNvPr id="4" name="직사각형 3">
             <a:extLst>
               <a:ext uri="{FF2B5EF4-FFF2-40B4-BE49-F238E27FC236}">
-                <a16:creationId xmlns="" xmlns:a16="http://schemas.microsoft.com/office/drawing/2014/main" id="{8E28AE41-39E8-450A-8E8C-3C7F79645CC9}"/>
+                <a16:creationId xmlns:a16="http://schemas.microsoft.com/office/drawing/2014/main" xmlns="" id="{8E28AE41-39E8-450A-8E8C-3C7F79645CC9}"/>
               </a:ext>
             </a:extLst>
           </p:cNvPr>
@@ -3501,7 +3501,7 @@
           <p:cNvPr id="5" name="TextBox 4">
             <a:extLst>
               <a:ext uri="{FF2B5EF4-FFF2-40B4-BE49-F238E27FC236}">
-                <a16:creationId xmlns="" xmlns:a16="http://schemas.microsoft.com/office/drawing/2014/main" id="{467434EB-9011-4C51-85CB-C6A8CBC7BCCD}"/>
+                <a16:creationId xmlns:a16="http://schemas.microsoft.com/office/drawing/2014/main" xmlns="" id="{467434EB-9011-4C51-85CB-C6A8CBC7BCCD}"/>
               </a:ext>
             </a:extLst>
           </p:cNvPr>
@@ -3593,34 +3593,7 @@
               </a:rPr>
               <a:t> </a:t>
             </a:r>
-          </a:p>
-          <a:p>
-            <a:pPr algn="ctr">
-              <a:spcBef>
-                <a:spcPts val="480"/>
-              </a:spcBef>
-            </a:pPr>
-            <a:r>
-              <a:rPr lang="en-US" altLang="ko-KR" sz="2000" dirty="0">
-                <a:solidFill>
-                  <a:schemeClr val="bg1"/>
-                </a:solidFill>
-                <a:latin typeface="a스케치고딕" panose="02020600000000000000" pitchFamily="18" charset="-127"/>
-                <a:ea typeface="a스케치고딕" panose="02020600000000000000" pitchFamily="18" charset="-127"/>
-              </a:rPr>
-              <a:t>AR</a:t>
-            </a:r>
-            <a:r>
-              <a:rPr lang="ko-KR" altLang="en-US" sz="2000" dirty="0">
-                <a:solidFill>
-                  <a:schemeClr val="bg1"/>
-                </a:solidFill>
-                <a:latin typeface="a스케치고딕" panose="02020600000000000000" pitchFamily="18" charset="-127"/>
-                <a:ea typeface="a스케치고딕" panose="02020600000000000000" pitchFamily="18" charset="-127"/>
-              </a:rPr>
-              <a:t>로 보여주는</a:t>
-            </a:r>
-            <a:endParaRPr lang="en-US" altLang="ko-KR" sz="2000" dirty="0">
+            <a:endParaRPr lang="en-US" altLang="ko-KR" dirty="0" smtClean="0">
               <a:solidFill>
                 <a:schemeClr val="bg1"/>
               </a:solidFill>
@@ -3635,7 +3608,31 @@
               </a:spcBef>
             </a:pPr>
             <a:r>
-              <a:rPr lang="en-US" altLang="ko-KR" sz="3200" dirty="0">
+              <a:rPr lang="ko-KR" altLang="en-US" sz="2000" smtClean="0">
+                <a:solidFill>
+                  <a:schemeClr val="bg1"/>
+                </a:solidFill>
+                <a:latin typeface="a스케치고딕" panose="02020600000000000000" pitchFamily="18" charset="-127"/>
+                <a:ea typeface="a스케치고딕" panose="02020600000000000000" pitchFamily="18" charset="-127"/>
+              </a:rPr>
+              <a:t>당신만의</a:t>
+            </a:r>
+            <a:endParaRPr lang="en-US" altLang="ko-KR" sz="2000" dirty="0" smtClean="0">
+              <a:solidFill>
+                <a:schemeClr val="bg1"/>
+              </a:solidFill>
+              <a:latin typeface="a스케치고딕" panose="02020600000000000000" pitchFamily="18" charset="-127"/>
+              <a:ea typeface="a스케치고딕" panose="02020600000000000000" pitchFamily="18" charset="-127"/>
+            </a:endParaRPr>
+          </a:p>
+          <a:p>
+            <a:pPr algn="ctr">
+              <a:spcBef>
+                <a:spcPts val="480"/>
+              </a:spcBef>
+            </a:pPr>
+            <a:r>
+              <a:rPr lang="en-US" altLang="ko-KR" sz="3200" dirty="0" smtClean="0">
                 <a:solidFill>
                   <a:srgbClr val="D9A192"/>
                 </a:solidFill>
@@ -3679,7 +3676,7 @@
           <p:cNvPr id="9" name="그림 8">
             <a:extLst>
               <a:ext uri="{FF2B5EF4-FFF2-40B4-BE49-F238E27FC236}">
-                <a16:creationId xmlns="" xmlns:a16="http://schemas.microsoft.com/office/drawing/2014/main" id="{BA6307BF-56EE-4BE3-86D3-E3F80A9064C1}"/>
+                <a16:creationId xmlns:a16="http://schemas.microsoft.com/office/drawing/2014/main" xmlns="" id="{BA6307BF-56EE-4BE3-86D3-E3F80A9064C1}"/>
               </a:ext>
             </a:extLst>
           </p:cNvPr>
@@ -3744,7 +3741,7 @@
           <p:cNvPr id="10" name="TextBox 9">
             <a:extLst>
               <a:ext uri="{FF2B5EF4-FFF2-40B4-BE49-F238E27FC236}">
-                <a16:creationId xmlns="" xmlns:a16="http://schemas.microsoft.com/office/drawing/2014/main" id="{F824082B-B414-4425-AF71-5305E8B4881C}"/>
+                <a16:creationId xmlns:a16="http://schemas.microsoft.com/office/drawing/2014/main" xmlns="" id="{F824082B-B414-4425-AF71-5305E8B4881C}"/>
               </a:ext>
             </a:extLst>
           </p:cNvPr>
@@ -3991,7 +3988,7 @@
           <p:cNvPr id="51" name="직사각형 50">
             <a:extLst>
               <a:ext uri="{FF2B5EF4-FFF2-40B4-BE49-F238E27FC236}">
-                <a16:creationId xmlns:a16="http://schemas.microsoft.com/office/drawing/2014/main" xmlns="" id="{57080758-3963-4412-B6E8-DBFE2D76DC92}"/>
+                <a16:creationId xmlns="" xmlns:a16="http://schemas.microsoft.com/office/drawing/2014/main" id="{57080758-3963-4412-B6E8-DBFE2D76DC92}"/>
               </a:ext>
             </a:extLst>
           </p:cNvPr>
@@ -4043,7 +4040,7 @@
           <p:cNvPr id="42" name="직사각형 41">
             <a:extLst>
               <a:ext uri="{FF2B5EF4-FFF2-40B4-BE49-F238E27FC236}">
-                <a16:creationId xmlns:a16="http://schemas.microsoft.com/office/drawing/2014/main" xmlns="" id="{254346C9-626B-4695-9D64-961157784C33}"/>
+                <a16:creationId xmlns="" xmlns:a16="http://schemas.microsoft.com/office/drawing/2014/main" id="{254346C9-626B-4695-9D64-961157784C33}"/>
               </a:ext>
             </a:extLst>
           </p:cNvPr>
@@ -4097,7 +4094,7 @@
           <p:cNvPr id="44" name="그룹 43">
             <a:extLst>
               <a:ext uri="{FF2B5EF4-FFF2-40B4-BE49-F238E27FC236}">
-                <a16:creationId xmlns:a16="http://schemas.microsoft.com/office/drawing/2014/main" xmlns="" id="{98ECF073-F406-402D-923A-C3AF95595FA0}"/>
+                <a16:creationId xmlns="" xmlns:a16="http://schemas.microsoft.com/office/drawing/2014/main" id="{98ECF073-F406-402D-923A-C3AF95595FA0}"/>
               </a:ext>
             </a:extLst>
           </p:cNvPr>
@@ -4117,7 +4114,7 @@
             <p:cNvPr id="49" name="직사각형 48">
               <a:extLst>
                 <a:ext uri="{FF2B5EF4-FFF2-40B4-BE49-F238E27FC236}">
-                  <a16:creationId xmlns:a16="http://schemas.microsoft.com/office/drawing/2014/main" xmlns="" id="{0CFB613C-267E-4E0B-B18F-AD5E0BF0BEBC}"/>
+                  <a16:creationId xmlns="" xmlns:a16="http://schemas.microsoft.com/office/drawing/2014/main" id="{0CFB613C-267E-4E0B-B18F-AD5E0BF0BEBC}"/>
                 </a:ext>
               </a:extLst>
             </p:cNvPr>
@@ -4169,7 +4166,7 @@
             <p:cNvPr id="50" name="TextBox 49">
               <a:extLst>
                 <a:ext uri="{FF2B5EF4-FFF2-40B4-BE49-F238E27FC236}">
-                  <a16:creationId xmlns:a16="http://schemas.microsoft.com/office/drawing/2014/main" xmlns="" id="{F6515F39-A6A7-4D3C-BA5D-136CDE36BBDA}"/>
+                  <a16:creationId xmlns="" xmlns:a16="http://schemas.microsoft.com/office/drawing/2014/main" id="{F6515F39-A6A7-4D3C-BA5D-136CDE36BBDA}"/>
                 </a:ext>
               </a:extLst>
             </p:cNvPr>
@@ -4300,7 +4297,7 @@
           <p:cNvPr id="2" name="사각형: 둥근 모서리 1">
             <a:extLst>
               <a:ext uri="{FF2B5EF4-FFF2-40B4-BE49-F238E27FC236}">
-                <a16:creationId xmlns:a16="http://schemas.microsoft.com/office/drawing/2014/main" xmlns="" id="{8D801818-C247-4004-AB18-0F8086FC35BB}"/>
+                <a16:creationId xmlns="" xmlns:a16="http://schemas.microsoft.com/office/drawing/2014/main" id="{8D801818-C247-4004-AB18-0F8086FC35BB}"/>
               </a:ext>
             </a:extLst>
           </p:cNvPr>
@@ -4352,7 +4349,7 @@
           <p:cNvPr id="65" name="사각형: 둥근 모서리 64">
             <a:extLst>
               <a:ext uri="{FF2B5EF4-FFF2-40B4-BE49-F238E27FC236}">
-                <a16:creationId xmlns:a16="http://schemas.microsoft.com/office/drawing/2014/main" xmlns="" id="{7B6B8143-58B1-4739-A310-8D3FC5AE11A1}"/>
+                <a16:creationId xmlns="" xmlns:a16="http://schemas.microsoft.com/office/drawing/2014/main" id="{7B6B8143-58B1-4739-A310-8D3FC5AE11A1}"/>
               </a:ext>
             </a:extLst>
           </p:cNvPr>
@@ -4404,7 +4401,7 @@
           <p:cNvPr id="66" name="사각형: 둥근 모서리 65">
             <a:extLst>
               <a:ext uri="{FF2B5EF4-FFF2-40B4-BE49-F238E27FC236}">
-                <a16:creationId xmlns:a16="http://schemas.microsoft.com/office/drawing/2014/main" xmlns="" id="{AF5C0A5C-97C6-4AF7-8564-C42F8922E2CA}"/>
+                <a16:creationId xmlns="" xmlns:a16="http://schemas.microsoft.com/office/drawing/2014/main" id="{AF5C0A5C-97C6-4AF7-8564-C42F8922E2CA}"/>
               </a:ext>
             </a:extLst>
           </p:cNvPr>
@@ -4456,7 +4453,7 @@
           <p:cNvPr id="68" name="TextBox 67">
             <a:extLst>
               <a:ext uri="{FF2B5EF4-FFF2-40B4-BE49-F238E27FC236}">
-                <a16:creationId xmlns:a16="http://schemas.microsoft.com/office/drawing/2014/main" xmlns="" id="{23902634-28C4-4D8A-B134-617453628608}"/>
+                <a16:creationId xmlns="" xmlns:a16="http://schemas.microsoft.com/office/drawing/2014/main" id="{23902634-28C4-4D8A-B134-617453628608}"/>
               </a:ext>
             </a:extLst>
           </p:cNvPr>
@@ -4552,7 +4549,7 @@
           <p:cNvPr id="69" name="TextBox 68">
             <a:extLst>
               <a:ext uri="{FF2B5EF4-FFF2-40B4-BE49-F238E27FC236}">
-                <a16:creationId xmlns:a16="http://schemas.microsoft.com/office/drawing/2014/main" xmlns="" id="{94327B4F-3F14-4E55-A82F-6A1DD5BD4F94}"/>
+                <a16:creationId xmlns="" xmlns:a16="http://schemas.microsoft.com/office/drawing/2014/main" id="{94327B4F-3F14-4E55-A82F-6A1DD5BD4F94}"/>
               </a:ext>
             </a:extLst>
           </p:cNvPr>
@@ -4614,7 +4611,7 @@
           <p:cNvPr id="70" name="TextBox 69">
             <a:extLst>
               <a:ext uri="{FF2B5EF4-FFF2-40B4-BE49-F238E27FC236}">
-                <a16:creationId xmlns:a16="http://schemas.microsoft.com/office/drawing/2014/main" xmlns="" id="{4CC644E4-3AC7-4E25-9644-55C3B28D58D0}"/>
+                <a16:creationId xmlns="" xmlns:a16="http://schemas.microsoft.com/office/drawing/2014/main" id="{4CC644E4-3AC7-4E25-9644-55C3B28D58D0}"/>
               </a:ext>
             </a:extLst>
           </p:cNvPr>
@@ -4676,7 +4673,7 @@
           <p:cNvPr id="73" name="TextBox 72">
             <a:extLst>
               <a:ext uri="{FF2B5EF4-FFF2-40B4-BE49-F238E27FC236}">
-                <a16:creationId xmlns:a16="http://schemas.microsoft.com/office/drawing/2014/main" xmlns="" id="{F6580EF8-5CDF-4529-BD71-7CAF37C70837}"/>
+                <a16:creationId xmlns="" xmlns:a16="http://schemas.microsoft.com/office/drawing/2014/main" id="{F6580EF8-5CDF-4529-BD71-7CAF37C70837}"/>
               </a:ext>
             </a:extLst>
           </p:cNvPr>
@@ -4755,7 +4752,7 @@
           <p:cNvPr id="74" name="TextBox 73">
             <a:extLst>
               <a:ext uri="{FF2B5EF4-FFF2-40B4-BE49-F238E27FC236}">
-                <a16:creationId xmlns:a16="http://schemas.microsoft.com/office/drawing/2014/main" xmlns="" id="{C6049280-3EAA-440F-AFD5-C4BC2D9EAE8D}"/>
+                <a16:creationId xmlns="" xmlns:a16="http://schemas.microsoft.com/office/drawing/2014/main" id="{C6049280-3EAA-440F-AFD5-C4BC2D9EAE8D}"/>
               </a:ext>
             </a:extLst>
           </p:cNvPr>
@@ -4867,7 +4864,7 @@
           <p:cNvPr id="75" name="TextBox 74">
             <a:extLst>
               <a:ext uri="{FF2B5EF4-FFF2-40B4-BE49-F238E27FC236}">
-                <a16:creationId xmlns:a16="http://schemas.microsoft.com/office/drawing/2014/main" xmlns="" id="{231F6308-2B61-4FAC-B9CC-8C383AF4FFD7}"/>
+                <a16:creationId xmlns="" xmlns:a16="http://schemas.microsoft.com/office/drawing/2014/main" id="{231F6308-2B61-4FAC-B9CC-8C383AF4FFD7}"/>
               </a:ext>
             </a:extLst>
           </p:cNvPr>
@@ -5013,7 +5010,7 @@
           <p:cNvPr id="76" name="TextBox 75">
             <a:extLst>
               <a:ext uri="{FF2B5EF4-FFF2-40B4-BE49-F238E27FC236}">
-                <a16:creationId xmlns:a16="http://schemas.microsoft.com/office/drawing/2014/main" xmlns="" id="{8E48AD0D-D314-413A-9B35-04E8A50D9158}"/>
+                <a16:creationId xmlns="" xmlns:a16="http://schemas.microsoft.com/office/drawing/2014/main" id="{8E48AD0D-D314-413A-9B35-04E8A50D9158}"/>
               </a:ext>
             </a:extLst>
           </p:cNvPr>
@@ -5125,7 +5122,7 @@
           <p:cNvPr id="77" name="TextBox 76">
             <a:extLst>
               <a:ext uri="{FF2B5EF4-FFF2-40B4-BE49-F238E27FC236}">
-                <a16:creationId xmlns:a16="http://schemas.microsoft.com/office/drawing/2014/main" xmlns="" id="{A4C5C25C-CB68-4151-88EE-A0C0F7F1D4A3}"/>
+                <a16:creationId xmlns="" xmlns:a16="http://schemas.microsoft.com/office/drawing/2014/main" id="{A4C5C25C-CB68-4151-88EE-A0C0F7F1D4A3}"/>
               </a:ext>
             </a:extLst>
           </p:cNvPr>
@@ -5204,7 +5201,7 @@
           <p:cNvPr id="82" name="TextBox 81">
             <a:extLst>
               <a:ext uri="{FF2B5EF4-FFF2-40B4-BE49-F238E27FC236}">
-                <a16:creationId xmlns:a16="http://schemas.microsoft.com/office/drawing/2014/main" xmlns="" id="{3B0DBF38-105C-4BBF-B616-63F67C2F77E7}"/>
+                <a16:creationId xmlns="" xmlns:a16="http://schemas.microsoft.com/office/drawing/2014/main" id="{3B0DBF38-105C-4BBF-B616-63F67C2F77E7}"/>
               </a:ext>
             </a:extLst>
           </p:cNvPr>
@@ -5316,7 +5313,7 @@
           <p:cNvPr id="83" name="TextBox 82">
             <a:extLst>
               <a:ext uri="{FF2B5EF4-FFF2-40B4-BE49-F238E27FC236}">
-                <a16:creationId xmlns:a16="http://schemas.microsoft.com/office/drawing/2014/main" xmlns="" id="{139E348E-BA32-4E05-A484-E3ECACB5B1F5}"/>
+                <a16:creationId xmlns="" xmlns:a16="http://schemas.microsoft.com/office/drawing/2014/main" id="{139E348E-BA32-4E05-A484-E3ECACB5B1F5}"/>
               </a:ext>
             </a:extLst>
           </p:cNvPr>
@@ -5395,7 +5392,7 @@
           <p:cNvPr id="84" name="TextBox 83">
             <a:extLst>
               <a:ext uri="{FF2B5EF4-FFF2-40B4-BE49-F238E27FC236}">
-                <a16:creationId xmlns:a16="http://schemas.microsoft.com/office/drawing/2014/main" xmlns="" id="{40B85CEF-D6AD-4958-9F3F-8849D15821E7}"/>
+                <a16:creationId xmlns="" xmlns:a16="http://schemas.microsoft.com/office/drawing/2014/main" id="{40B85CEF-D6AD-4958-9F3F-8849D15821E7}"/>
               </a:ext>
             </a:extLst>
           </p:cNvPr>
@@ -5507,7 +5504,7 @@
           <p:cNvPr id="85" name="TextBox 84">
             <a:extLst>
               <a:ext uri="{FF2B5EF4-FFF2-40B4-BE49-F238E27FC236}">
-                <a16:creationId xmlns:a16="http://schemas.microsoft.com/office/drawing/2014/main" xmlns="" id="{E28CC260-A24B-4DC4-90E9-F6BA823325D8}"/>
+                <a16:creationId xmlns="" xmlns:a16="http://schemas.microsoft.com/office/drawing/2014/main" id="{E28CC260-A24B-4DC4-90E9-F6BA823325D8}"/>
               </a:ext>
             </a:extLst>
           </p:cNvPr>
@@ -5586,7 +5583,7 @@
           <p:cNvPr id="86" name="TextBox 85">
             <a:extLst>
               <a:ext uri="{FF2B5EF4-FFF2-40B4-BE49-F238E27FC236}">
-                <a16:creationId xmlns:a16="http://schemas.microsoft.com/office/drawing/2014/main" xmlns="" id="{BF6D7705-6D52-40D0-94F5-C1C376217AB4}"/>
+                <a16:creationId xmlns="" xmlns:a16="http://schemas.microsoft.com/office/drawing/2014/main" id="{BF6D7705-6D52-40D0-94F5-C1C376217AB4}"/>
               </a:ext>
             </a:extLst>
           </p:cNvPr>
@@ -5665,7 +5662,7 @@
           <p:cNvPr id="87" name="TextBox 86">
             <a:extLst>
               <a:ext uri="{FF2B5EF4-FFF2-40B4-BE49-F238E27FC236}">
-                <a16:creationId xmlns:a16="http://schemas.microsoft.com/office/drawing/2014/main" xmlns="" id="{5986A6D4-6E98-4647-A0E4-399B261BC2AD}"/>
+                <a16:creationId xmlns="" xmlns:a16="http://schemas.microsoft.com/office/drawing/2014/main" id="{5986A6D4-6E98-4647-A0E4-399B261BC2AD}"/>
               </a:ext>
             </a:extLst>
           </p:cNvPr>
@@ -5811,7 +5808,7 @@
           <p:cNvPr id="88" name="TextBox 87">
             <a:extLst>
               <a:ext uri="{FF2B5EF4-FFF2-40B4-BE49-F238E27FC236}">
-                <a16:creationId xmlns:a16="http://schemas.microsoft.com/office/drawing/2014/main" xmlns="" id="{E7021803-C395-481C-87EF-FBF0D9A4FA3C}"/>
+                <a16:creationId xmlns="" xmlns:a16="http://schemas.microsoft.com/office/drawing/2014/main" id="{E7021803-C395-481C-87EF-FBF0D9A4FA3C}"/>
               </a:ext>
             </a:extLst>
           </p:cNvPr>
@@ -6024,7 +6021,7 @@
           <p:cNvPr id="90" name="직선 화살표 연결선 89">
             <a:extLst>
               <a:ext uri="{FF2B5EF4-FFF2-40B4-BE49-F238E27FC236}">
-                <a16:creationId xmlns:a16="http://schemas.microsoft.com/office/drawing/2014/main" xmlns="" id="{D712B239-1E22-42FD-BB03-92E4009CE8F7}"/>
+                <a16:creationId xmlns="" xmlns:a16="http://schemas.microsoft.com/office/drawing/2014/main" id="{D712B239-1E22-42FD-BB03-92E4009CE8F7}"/>
               </a:ext>
             </a:extLst>
           </p:cNvPr>
@@ -6069,7 +6066,7 @@
           <p:cNvPr id="91" name="직선 화살표 연결선 90">
             <a:extLst>
               <a:ext uri="{FF2B5EF4-FFF2-40B4-BE49-F238E27FC236}">
-                <a16:creationId xmlns:a16="http://schemas.microsoft.com/office/drawing/2014/main" xmlns="" id="{9AF12721-7DF1-4F73-9E96-1B7D6B613D78}"/>
+                <a16:creationId xmlns="" xmlns:a16="http://schemas.microsoft.com/office/drawing/2014/main" id="{9AF12721-7DF1-4F73-9E96-1B7D6B613D78}"/>
               </a:ext>
             </a:extLst>
           </p:cNvPr>
@@ -6114,7 +6111,7 @@
           <p:cNvPr id="92" name="직선 화살표 연결선 91">
             <a:extLst>
               <a:ext uri="{FF2B5EF4-FFF2-40B4-BE49-F238E27FC236}">
-                <a16:creationId xmlns:a16="http://schemas.microsoft.com/office/drawing/2014/main" xmlns="" id="{9A68B370-B972-4BD9-9C62-A3F016072368}"/>
+                <a16:creationId xmlns="" xmlns:a16="http://schemas.microsoft.com/office/drawing/2014/main" id="{9A68B370-B972-4BD9-9C62-A3F016072368}"/>
               </a:ext>
             </a:extLst>
           </p:cNvPr>
@@ -6159,7 +6156,7 @@
           <p:cNvPr id="93" name="직선 화살표 연결선 92">
             <a:extLst>
               <a:ext uri="{FF2B5EF4-FFF2-40B4-BE49-F238E27FC236}">
-                <a16:creationId xmlns:a16="http://schemas.microsoft.com/office/drawing/2014/main" xmlns="" id="{A85F0BEE-67C9-494B-B675-B0E57700EF9A}"/>
+                <a16:creationId xmlns="" xmlns:a16="http://schemas.microsoft.com/office/drawing/2014/main" id="{A85F0BEE-67C9-494B-B675-B0E57700EF9A}"/>
               </a:ext>
             </a:extLst>
           </p:cNvPr>
@@ -6204,7 +6201,7 @@
           <p:cNvPr id="94" name="직선 화살표 연결선 93">
             <a:extLst>
               <a:ext uri="{FF2B5EF4-FFF2-40B4-BE49-F238E27FC236}">
-                <a16:creationId xmlns:a16="http://schemas.microsoft.com/office/drawing/2014/main" xmlns="" id="{701AB6A7-628A-4D12-B3D4-E3B32FA90675}"/>
+                <a16:creationId xmlns="" xmlns:a16="http://schemas.microsoft.com/office/drawing/2014/main" id="{701AB6A7-628A-4D12-B3D4-E3B32FA90675}"/>
               </a:ext>
             </a:extLst>
           </p:cNvPr>
@@ -6249,7 +6246,7 @@
           <p:cNvPr id="15" name="직선 화살표 연결선 14">
             <a:extLst>
               <a:ext uri="{FF2B5EF4-FFF2-40B4-BE49-F238E27FC236}">
-                <a16:creationId xmlns:a16="http://schemas.microsoft.com/office/drawing/2014/main" xmlns="" id="{E44B8DB6-0F83-4F16-AE2D-709A4E76300F}"/>
+                <a16:creationId xmlns="" xmlns:a16="http://schemas.microsoft.com/office/drawing/2014/main" id="{E44B8DB6-0F83-4F16-AE2D-709A4E76300F}"/>
               </a:ext>
             </a:extLst>
           </p:cNvPr>
@@ -6291,7 +6288,7 @@
           <p:cNvPr id="22" name="직선 화살표 연결선 21">
             <a:extLst>
               <a:ext uri="{FF2B5EF4-FFF2-40B4-BE49-F238E27FC236}">
-                <a16:creationId xmlns:a16="http://schemas.microsoft.com/office/drawing/2014/main" xmlns="" id="{B7463390-1A2D-43BB-8A14-56155297B0E4}"/>
+                <a16:creationId xmlns="" xmlns:a16="http://schemas.microsoft.com/office/drawing/2014/main" id="{B7463390-1A2D-43BB-8A14-56155297B0E4}"/>
               </a:ext>
             </a:extLst>
           </p:cNvPr>
@@ -6363,7 +6360,7 @@
           <p:cNvPr id="3" name="직사각형 2">
             <a:extLst>
               <a:ext uri="{FF2B5EF4-FFF2-40B4-BE49-F238E27FC236}">
-                <a16:creationId xmlns="" xmlns:a16="http://schemas.microsoft.com/office/drawing/2014/main" id="{24226CFB-2449-4A2B-B168-A1DE28C29CF7}"/>
+                <a16:creationId xmlns:a16="http://schemas.microsoft.com/office/drawing/2014/main" xmlns="" id="{24226CFB-2449-4A2B-B168-A1DE28C29CF7}"/>
               </a:ext>
             </a:extLst>
           </p:cNvPr>
@@ -6417,7 +6414,7 @@
           <p:cNvPr id="36" name="그룹 35">
             <a:extLst>
               <a:ext uri="{FF2B5EF4-FFF2-40B4-BE49-F238E27FC236}">
-                <a16:creationId xmlns="" xmlns:a16="http://schemas.microsoft.com/office/drawing/2014/main" id="{334B3E40-65BD-48E5-A7F8-3AC341F6EFAA}"/>
+                <a16:creationId xmlns:a16="http://schemas.microsoft.com/office/drawing/2014/main" xmlns="" id="{334B3E40-65BD-48E5-A7F8-3AC341F6EFAA}"/>
               </a:ext>
             </a:extLst>
           </p:cNvPr>
@@ -6437,7 +6434,7 @@
             <p:cNvPr id="15" name="그룹 14">
               <a:extLst>
                 <a:ext uri="{FF2B5EF4-FFF2-40B4-BE49-F238E27FC236}">
-                  <a16:creationId xmlns="" xmlns:a16="http://schemas.microsoft.com/office/drawing/2014/main" id="{3B5DAA03-61CC-48F3-802D-550F610AB603}"/>
+                  <a16:creationId xmlns:a16="http://schemas.microsoft.com/office/drawing/2014/main" xmlns="" id="{3B5DAA03-61CC-48F3-802D-550F610AB603}"/>
                 </a:ext>
               </a:extLst>
             </p:cNvPr>
@@ -6457,7 +6454,7 @@
               <p:cNvPr id="5" name="그룹 4">
                 <a:extLst>
                   <a:ext uri="{FF2B5EF4-FFF2-40B4-BE49-F238E27FC236}">
-                    <a16:creationId xmlns="" xmlns:a16="http://schemas.microsoft.com/office/drawing/2014/main" id="{1AE8C737-A3AC-4AB1-91CE-4BF977E2F4E1}"/>
+                    <a16:creationId xmlns:a16="http://schemas.microsoft.com/office/drawing/2014/main" xmlns="" id="{1AE8C737-A3AC-4AB1-91CE-4BF977E2F4E1}"/>
                   </a:ext>
                 </a:extLst>
               </p:cNvPr>
@@ -6477,7 +6474,7 @@
                 <p:cNvPr id="13" name="그림 12">
                   <a:extLst>
                     <a:ext uri="{FF2B5EF4-FFF2-40B4-BE49-F238E27FC236}">
-                      <a16:creationId xmlns="" xmlns:a16="http://schemas.microsoft.com/office/drawing/2014/main" id="{A0801EF4-CA50-4C6D-B5EB-24C0BBE78716}"/>
+                      <a16:creationId xmlns:a16="http://schemas.microsoft.com/office/drawing/2014/main" xmlns="" id="{A0801EF4-CA50-4C6D-B5EB-24C0BBE78716}"/>
                     </a:ext>
                   </a:extLst>
                 </p:cNvPr>
@@ -6535,7 +6532,7 @@
                 <p:cNvPr id="14" name="순서도: 처리 13">
                   <a:extLst>
                     <a:ext uri="{FF2B5EF4-FFF2-40B4-BE49-F238E27FC236}">
-                      <a16:creationId xmlns="" xmlns:a16="http://schemas.microsoft.com/office/drawing/2014/main" id="{D9E411C6-E998-45B3-AD2C-E63E2F34874B}"/>
+                      <a16:creationId xmlns:a16="http://schemas.microsoft.com/office/drawing/2014/main" xmlns="" id="{D9E411C6-E998-45B3-AD2C-E63E2F34874B}"/>
                     </a:ext>
                   </a:extLst>
                 </p:cNvPr>
@@ -6588,7 +6585,7 @@
               <p:cNvPr id="2" name="TextBox 1">
                 <a:extLst>
                   <a:ext uri="{FF2B5EF4-FFF2-40B4-BE49-F238E27FC236}">
-                    <a16:creationId xmlns="" xmlns:a16="http://schemas.microsoft.com/office/drawing/2014/main" id="{B1087E01-4738-47CD-9A9A-2E6386233EAA}"/>
+                    <a16:creationId xmlns:a16="http://schemas.microsoft.com/office/drawing/2014/main" xmlns="" id="{B1087E01-4738-47CD-9A9A-2E6386233EAA}"/>
                   </a:ext>
                 </a:extLst>
               </p:cNvPr>
@@ -6685,7 +6682,7 @@
             <p:cNvPr id="28" name="그룹 27">
               <a:extLst>
                 <a:ext uri="{FF2B5EF4-FFF2-40B4-BE49-F238E27FC236}">
-                  <a16:creationId xmlns="" xmlns:a16="http://schemas.microsoft.com/office/drawing/2014/main" id="{2B66B621-1B7F-4447-9592-F25E8A9C3897}"/>
+                  <a16:creationId xmlns:a16="http://schemas.microsoft.com/office/drawing/2014/main" xmlns="" id="{2B66B621-1B7F-4447-9592-F25E8A9C3897}"/>
                 </a:ext>
               </a:extLst>
             </p:cNvPr>
@@ -6705,7 +6702,7 @@
               <p:cNvPr id="18" name="그룹 17">
                 <a:extLst>
                   <a:ext uri="{FF2B5EF4-FFF2-40B4-BE49-F238E27FC236}">
-                    <a16:creationId xmlns="" xmlns:a16="http://schemas.microsoft.com/office/drawing/2014/main" id="{952875E3-0DB4-40C2-8450-B52E88C5F045}"/>
+                    <a16:creationId xmlns:a16="http://schemas.microsoft.com/office/drawing/2014/main" xmlns="" id="{952875E3-0DB4-40C2-8450-B52E88C5F045}"/>
                   </a:ext>
                 </a:extLst>
               </p:cNvPr>
@@ -6725,7 +6722,7 @@
                 <p:cNvPr id="16" name="그림 15">
                   <a:extLst>
                     <a:ext uri="{FF2B5EF4-FFF2-40B4-BE49-F238E27FC236}">
-                      <a16:creationId xmlns="" xmlns:a16="http://schemas.microsoft.com/office/drawing/2014/main" id="{5F28D015-93CB-449B-B26B-EAC8CAEE2E2F}"/>
+                      <a16:creationId xmlns:a16="http://schemas.microsoft.com/office/drawing/2014/main" xmlns="" id="{5F28D015-93CB-449B-B26B-EAC8CAEE2E2F}"/>
                     </a:ext>
                   </a:extLst>
                 </p:cNvPr>
@@ -6783,7 +6780,7 @@
                 <p:cNvPr id="17" name="순서도: 처리 16">
                   <a:extLst>
                     <a:ext uri="{FF2B5EF4-FFF2-40B4-BE49-F238E27FC236}">
-                      <a16:creationId xmlns="" xmlns:a16="http://schemas.microsoft.com/office/drawing/2014/main" id="{905AB968-A8BE-4E76-BDD7-3B09A30BB399}"/>
+                      <a16:creationId xmlns:a16="http://schemas.microsoft.com/office/drawing/2014/main" xmlns="" id="{905AB968-A8BE-4E76-BDD7-3B09A30BB399}"/>
                     </a:ext>
                   </a:extLst>
                 </p:cNvPr>
@@ -6836,7 +6833,7 @@
               <p:cNvPr id="4" name="TextBox 3">
                 <a:extLst>
                   <a:ext uri="{FF2B5EF4-FFF2-40B4-BE49-F238E27FC236}">
-                    <a16:creationId xmlns="" xmlns:a16="http://schemas.microsoft.com/office/drawing/2014/main" id="{62790A9E-602E-43EF-BCD9-4AF306493C0E}"/>
+                    <a16:creationId xmlns:a16="http://schemas.microsoft.com/office/drawing/2014/main" xmlns="" id="{62790A9E-602E-43EF-BCD9-4AF306493C0E}"/>
                   </a:ext>
                 </a:extLst>
               </p:cNvPr>
@@ -6903,7 +6900,7 @@
           <p:cNvPr id="34" name="TextBox 33">
             <a:extLst>
               <a:ext uri="{FF2B5EF4-FFF2-40B4-BE49-F238E27FC236}">
-                <a16:creationId xmlns="" xmlns:a16="http://schemas.microsoft.com/office/drawing/2014/main" id="{3D4D3629-EA2B-433B-85DB-D0BA0176DD96}"/>
+                <a16:creationId xmlns:a16="http://schemas.microsoft.com/office/drawing/2014/main" xmlns="" id="{3D4D3629-EA2B-433B-85DB-D0BA0176DD96}"/>
               </a:ext>
             </a:extLst>
           </p:cNvPr>
@@ -6986,7 +6983,7 @@
           <p:cNvPr id="35" name="TextBox 34">
             <a:extLst>
               <a:ext uri="{FF2B5EF4-FFF2-40B4-BE49-F238E27FC236}">
-                <a16:creationId xmlns="" xmlns:a16="http://schemas.microsoft.com/office/drawing/2014/main" id="{B7AD3FE5-3C4C-40C5-8198-8516ED8195AB}"/>
+                <a16:creationId xmlns:a16="http://schemas.microsoft.com/office/drawing/2014/main" xmlns="" id="{B7AD3FE5-3C4C-40C5-8198-8516ED8195AB}"/>
               </a:ext>
             </a:extLst>
           </p:cNvPr>
@@ -7083,7 +7080,7 @@
           <p:cNvPr id="38" name="직선 연결선 37">
             <a:extLst>
               <a:ext uri="{FF2B5EF4-FFF2-40B4-BE49-F238E27FC236}">
-                <a16:creationId xmlns="" xmlns:a16="http://schemas.microsoft.com/office/drawing/2014/main" id="{DF212549-A293-413C-BD9F-29D20483B792}"/>
+                <a16:creationId xmlns:a16="http://schemas.microsoft.com/office/drawing/2014/main" xmlns="" id="{DF212549-A293-413C-BD9F-29D20483B792}"/>
               </a:ext>
             </a:extLst>
           </p:cNvPr>
@@ -7180,7 +7177,7 @@
             <p:cNvPr id="27" name="직사각형 26">
               <a:extLst>
                 <a:ext uri="{FF2B5EF4-FFF2-40B4-BE49-F238E27FC236}">
-                  <a16:creationId xmlns="" xmlns:a16="http://schemas.microsoft.com/office/drawing/2014/main" id="{0CFB613C-267E-4E0B-B18F-AD5E0BF0BEBC}"/>
+                  <a16:creationId xmlns:a16="http://schemas.microsoft.com/office/drawing/2014/main" xmlns="" id="{0CFB613C-267E-4E0B-B18F-AD5E0BF0BEBC}"/>
                 </a:ext>
               </a:extLst>
             </p:cNvPr>
@@ -7232,7 +7229,7 @@
             <p:cNvPr id="29" name="TextBox 28">
               <a:extLst>
                 <a:ext uri="{FF2B5EF4-FFF2-40B4-BE49-F238E27FC236}">
-                  <a16:creationId xmlns="" xmlns:a16="http://schemas.microsoft.com/office/drawing/2014/main" id="{F6515F39-A6A7-4D3C-BA5D-136CDE36BBDA}"/>
+                  <a16:creationId xmlns:a16="http://schemas.microsoft.com/office/drawing/2014/main" xmlns="" id="{F6515F39-A6A7-4D3C-BA5D-136CDE36BBDA}"/>
                 </a:ext>
               </a:extLst>
             </p:cNvPr>
@@ -7366,7 +7363,7 @@
           <p:cNvPr id="51" name="직사각형 50">
             <a:extLst>
               <a:ext uri="{FF2B5EF4-FFF2-40B4-BE49-F238E27FC236}">
-                <a16:creationId xmlns:a16="http://schemas.microsoft.com/office/drawing/2014/main" xmlns="" id="{57080758-3963-4412-B6E8-DBFE2D76DC92}"/>
+                <a16:creationId xmlns="" xmlns:a16="http://schemas.microsoft.com/office/drawing/2014/main" id="{57080758-3963-4412-B6E8-DBFE2D76DC92}"/>
               </a:ext>
             </a:extLst>
           </p:cNvPr>
@@ -7418,7 +7415,7 @@
           <p:cNvPr id="42" name="직사각형 41">
             <a:extLst>
               <a:ext uri="{FF2B5EF4-FFF2-40B4-BE49-F238E27FC236}">
-                <a16:creationId xmlns:a16="http://schemas.microsoft.com/office/drawing/2014/main" xmlns="" id="{254346C9-626B-4695-9D64-961157784C33}"/>
+                <a16:creationId xmlns="" xmlns:a16="http://schemas.microsoft.com/office/drawing/2014/main" id="{254346C9-626B-4695-9D64-961157784C33}"/>
               </a:ext>
             </a:extLst>
           </p:cNvPr>
@@ -7472,7 +7469,7 @@
           <p:cNvPr id="44" name="그룹 43">
             <a:extLst>
               <a:ext uri="{FF2B5EF4-FFF2-40B4-BE49-F238E27FC236}">
-                <a16:creationId xmlns:a16="http://schemas.microsoft.com/office/drawing/2014/main" xmlns="" id="{98ECF073-F406-402D-923A-C3AF95595FA0}"/>
+                <a16:creationId xmlns="" xmlns:a16="http://schemas.microsoft.com/office/drawing/2014/main" id="{98ECF073-F406-402D-923A-C3AF95595FA0}"/>
               </a:ext>
             </a:extLst>
           </p:cNvPr>
@@ -7492,7 +7489,7 @@
             <p:cNvPr id="49" name="직사각형 48">
               <a:extLst>
                 <a:ext uri="{FF2B5EF4-FFF2-40B4-BE49-F238E27FC236}">
-                  <a16:creationId xmlns:a16="http://schemas.microsoft.com/office/drawing/2014/main" xmlns="" id="{0CFB613C-267E-4E0B-B18F-AD5E0BF0BEBC}"/>
+                  <a16:creationId xmlns="" xmlns:a16="http://schemas.microsoft.com/office/drawing/2014/main" id="{0CFB613C-267E-4E0B-B18F-AD5E0BF0BEBC}"/>
                 </a:ext>
               </a:extLst>
             </p:cNvPr>
@@ -7544,7 +7541,7 @@
             <p:cNvPr id="50" name="TextBox 49">
               <a:extLst>
                 <a:ext uri="{FF2B5EF4-FFF2-40B4-BE49-F238E27FC236}">
-                  <a16:creationId xmlns:a16="http://schemas.microsoft.com/office/drawing/2014/main" xmlns="" id="{F6515F39-A6A7-4D3C-BA5D-136CDE36BBDA}"/>
+                  <a16:creationId xmlns="" xmlns:a16="http://schemas.microsoft.com/office/drawing/2014/main" id="{F6515F39-A6A7-4D3C-BA5D-136CDE36BBDA}"/>
                 </a:ext>
               </a:extLst>
             </p:cNvPr>
@@ -7599,24 +7596,7 @@
                   <a:latin typeface="a가시고기B" panose="02020600000000000000" pitchFamily="18" charset="-127"/>
                   <a:ea typeface="a가시고기B" panose="02020600000000000000" pitchFamily="18" charset="-127"/>
                 </a:rPr>
-                <a:t>시나리오</a:t>
-              </a:r>
-              <a:r>
-                <a:rPr lang="ko-KR" altLang="en-US" sz="2800" b="1" dirty="0" smtClean="0">
-                  <a:solidFill>
-                    <a:schemeClr val="bg1"/>
-                  </a:solidFill>
-                  <a:effectLst>
-                    <a:outerShdw blurRad="38100" dist="38100" dir="2700000" algn="tl">
-                      <a:srgbClr val="000000">
-                        <a:alpha val="43137"/>
-                      </a:srgbClr>
-                    </a:outerShdw>
-                  </a:effectLst>
-                  <a:latin typeface="a가시고기B" panose="02020600000000000000" pitchFamily="18" charset="-127"/>
-                  <a:ea typeface="a가시고기B" panose="02020600000000000000" pitchFamily="18" charset="-127"/>
-                </a:rPr>
-                <a:t> 기반 </a:t>
+                <a:t>시나리오 기반 </a:t>
               </a:r>
               <a:r>
                 <a:rPr lang="en-US" altLang="ko-KR" sz="2800" b="1" dirty="0" smtClean="0">
@@ -7658,7 +7638,7 @@
           <p:cNvPr id="33" name="사각형: 둥근 모서리 11">
             <a:extLst>
               <a:ext uri="{FF2B5EF4-FFF2-40B4-BE49-F238E27FC236}">
-                <a16:creationId xmlns="" xmlns:a16="http://schemas.microsoft.com/office/drawing/2014/main" id="{9D19CC30-E7EC-4BB2-A5F5-746EA82096A8}"/>
+                <a16:creationId xmlns:a16="http://schemas.microsoft.com/office/drawing/2014/main" xmlns="" id="{9D19CC30-E7EC-4BB2-A5F5-746EA82096A8}"/>
               </a:ext>
             </a:extLst>
           </p:cNvPr>
@@ -7721,7 +7701,7 @@
           <p:cNvPr id="63" name="직선 연결선 62">
             <a:extLst>
               <a:ext uri="{FF2B5EF4-FFF2-40B4-BE49-F238E27FC236}">
-                <a16:creationId xmlns="" xmlns:a16="http://schemas.microsoft.com/office/drawing/2014/main" id="{4A251B86-3D8D-4DA7-BC66-28BA2E46C33D}"/>
+                <a16:creationId xmlns:a16="http://schemas.microsoft.com/office/drawing/2014/main" xmlns="" id="{4A251B86-3D8D-4DA7-BC66-28BA2E46C33D}"/>
               </a:ext>
             </a:extLst>
           </p:cNvPr>
@@ -7767,7 +7747,7 @@
           <p:cNvPr id="67" name="그룹 66">
             <a:extLst>
               <a:ext uri="{FF2B5EF4-FFF2-40B4-BE49-F238E27FC236}">
-                <a16:creationId xmlns="" xmlns:a16="http://schemas.microsoft.com/office/drawing/2014/main" id="{0FAB3717-E5E2-4181-A260-DA1424F28612}"/>
+                <a16:creationId xmlns:a16="http://schemas.microsoft.com/office/drawing/2014/main" xmlns="" id="{0FAB3717-E5E2-4181-A260-DA1424F28612}"/>
               </a:ext>
             </a:extLst>
           </p:cNvPr>
@@ -7787,7 +7767,7 @@
             <p:cNvPr id="72" name="사각형: 둥근 모서리 55">
               <a:extLst>
                 <a:ext uri="{FF2B5EF4-FFF2-40B4-BE49-F238E27FC236}">
-                  <a16:creationId xmlns="" xmlns:a16="http://schemas.microsoft.com/office/drawing/2014/main" id="{6D2B7320-BE4C-405F-A3D2-797C448C1510}"/>
+                  <a16:creationId xmlns:a16="http://schemas.microsoft.com/office/drawing/2014/main" xmlns="" id="{6D2B7320-BE4C-405F-A3D2-797C448C1510}"/>
                 </a:ext>
               </a:extLst>
             </p:cNvPr>
@@ -7841,7 +7821,7 @@
             <p:cNvPr id="78" name="TextBox 77">
               <a:extLst>
                 <a:ext uri="{FF2B5EF4-FFF2-40B4-BE49-F238E27FC236}">
-                  <a16:creationId xmlns="" xmlns:a16="http://schemas.microsoft.com/office/drawing/2014/main" id="{7282059F-9779-4497-864D-FFDB3E69F42C}"/>
+                  <a16:creationId xmlns:a16="http://schemas.microsoft.com/office/drawing/2014/main" xmlns="" id="{7282059F-9779-4497-864D-FFDB3E69F42C}"/>
                 </a:ext>
               </a:extLst>
             </p:cNvPr>
@@ -7975,7 +7955,7 @@
           <p:cNvPr id="79" name="직선 연결선 78">
             <a:extLst>
               <a:ext uri="{FF2B5EF4-FFF2-40B4-BE49-F238E27FC236}">
-                <a16:creationId xmlns="" xmlns:a16="http://schemas.microsoft.com/office/drawing/2014/main" id="{4A251B86-3D8D-4DA7-BC66-28BA2E46C33D}"/>
+                <a16:creationId xmlns:a16="http://schemas.microsoft.com/office/drawing/2014/main" xmlns="" id="{4A251B86-3D8D-4DA7-BC66-28BA2E46C33D}"/>
               </a:ext>
             </a:extLst>
           </p:cNvPr>
@@ -8021,7 +8001,7 @@
           <p:cNvPr id="80" name="직선 연결선 79">
             <a:extLst>
               <a:ext uri="{FF2B5EF4-FFF2-40B4-BE49-F238E27FC236}">
-                <a16:creationId xmlns="" xmlns:a16="http://schemas.microsoft.com/office/drawing/2014/main" id="{4A251B86-3D8D-4DA7-BC66-28BA2E46C33D}"/>
+                <a16:creationId xmlns:a16="http://schemas.microsoft.com/office/drawing/2014/main" xmlns="" id="{4A251B86-3D8D-4DA7-BC66-28BA2E46C33D}"/>
               </a:ext>
             </a:extLst>
           </p:cNvPr>
@@ -8067,7 +8047,7 @@
           <p:cNvPr id="81" name="직선 연결선 80">
             <a:extLst>
               <a:ext uri="{FF2B5EF4-FFF2-40B4-BE49-F238E27FC236}">
-                <a16:creationId xmlns="" xmlns:a16="http://schemas.microsoft.com/office/drawing/2014/main" id="{4A251B86-3D8D-4DA7-BC66-28BA2E46C33D}"/>
+                <a16:creationId xmlns:a16="http://schemas.microsoft.com/office/drawing/2014/main" xmlns="" id="{4A251B86-3D8D-4DA7-BC66-28BA2E46C33D}"/>
               </a:ext>
             </a:extLst>
           </p:cNvPr>
@@ -9025,7 +9005,7 @@
           <p:cNvPr id="56" name="그림 55">
             <a:extLst>
               <a:ext uri="{FF2B5EF4-FFF2-40B4-BE49-F238E27FC236}">
-                <a16:creationId xmlns="" xmlns:a16="http://schemas.microsoft.com/office/drawing/2014/main" id="{7DEFA280-1FBB-46E9-AF73-89AD7C1A1883}"/>
+                <a16:creationId xmlns:a16="http://schemas.microsoft.com/office/drawing/2014/main" xmlns="" id="{7DEFA280-1FBB-46E9-AF73-89AD7C1A1883}"/>
               </a:ext>
             </a:extLst>
           </p:cNvPr>
@@ -9101,7 +9081,7 @@
           <p:cNvPr id="3" name="직사각형 2">
             <a:extLst>
               <a:ext uri="{FF2B5EF4-FFF2-40B4-BE49-F238E27FC236}">
-                <a16:creationId xmlns="" xmlns:a16="http://schemas.microsoft.com/office/drawing/2014/main" id="{24226CFB-2449-4A2B-B168-A1DE28C29CF7}"/>
+                <a16:creationId xmlns:a16="http://schemas.microsoft.com/office/drawing/2014/main" xmlns="" id="{24226CFB-2449-4A2B-B168-A1DE28C29CF7}"/>
               </a:ext>
             </a:extLst>
           </p:cNvPr>
@@ -9155,7 +9135,7 @@
           <p:cNvPr id="8" name="그룹 7">
             <a:extLst>
               <a:ext uri="{FF2B5EF4-FFF2-40B4-BE49-F238E27FC236}">
-                <a16:creationId xmlns="" xmlns:a16="http://schemas.microsoft.com/office/drawing/2014/main" id="{03EEAEDF-B653-4BFA-9C68-E1E2055CDAC5}"/>
+                <a16:creationId xmlns:a16="http://schemas.microsoft.com/office/drawing/2014/main" xmlns="" id="{03EEAEDF-B653-4BFA-9C68-E1E2055CDAC5}"/>
               </a:ext>
             </a:extLst>
           </p:cNvPr>
@@ -9175,7 +9155,7 @@
             <p:cNvPr id="9" name="직사각형 8">
               <a:extLst>
                 <a:ext uri="{FF2B5EF4-FFF2-40B4-BE49-F238E27FC236}">
-                  <a16:creationId xmlns="" xmlns:a16="http://schemas.microsoft.com/office/drawing/2014/main" id="{2CF55043-03B0-4792-827C-4B8CC375DCF5}"/>
+                  <a16:creationId xmlns:a16="http://schemas.microsoft.com/office/drawing/2014/main" xmlns="" id="{2CF55043-03B0-4792-827C-4B8CC375DCF5}"/>
                 </a:ext>
               </a:extLst>
             </p:cNvPr>
@@ -9227,7 +9207,7 @@
             <p:cNvPr id="10" name="TextBox 9">
               <a:extLst>
                 <a:ext uri="{FF2B5EF4-FFF2-40B4-BE49-F238E27FC236}">
-                  <a16:creationId xmlns="" xmlns:a16="http://schemas.microsoft.com/office/drawing/2014/main" id="{236D3228-211E-4B31-A0BB-2C8A9FE67D13}"/>
+                  <a16:creationId xmlns:a16="http://schemas.microsoft.com/office/drawing/2014/main" xmlns="" id="{236D3228-211E-4B31-A0BB-2C8A9FE67D13}"/>
                 </a:ext>
               </a:extLst>
             </p:cNvPr>
@@ -9324,7 +9304,7 @@
           <p:cNvPr id="16" name="직사각형 15">
             <a:extLst>
               <a:ext uri="{FF2B5EF4-FFF2-40B4-BE49-F238E27FC236}">
-                <a16:creationId xmlns="" xmlns:a16="http://schemas.microsoft.com/office/drawing/2014/main" id="{D1BE7D09-4364-458D-BCFF-98D205437C37}"/>
+                <a16:creationId xmlns:a16="http://schemas.microsoft.com/office/drawing/2014/main" xmlns="" id="{D1BE7D09-4364-458D-BCFF-98D205437C37}"/>
               </a:ext>
             </a:extLst>
           </p:cNvPr>
@@ -9376,7 +9356,7 @@
           <p:cNvPr id="17" name="직사각형 16">
             <a:extLst>
               <a:ext uri="{FF2B5EF4-FFF2-40B4-BE49-F238E27FC236}">
-                <a16:creationId xmlns="" xmlns:a16="http://schemas.microsoft.com/office/drawing/2014/main" id="{D1BE7D09-4364-458D-BCFF-98D205437C37}"/>
+                <a16:creationId xmlns:a16="http://schemas.microsoft.com/office/drawing/2014/main" xmlns="" id="{D1BE7D09-4364-458D-BCFF-98D205437C37}"/>
               </a:ext>
             </a:extLst>
           </p:cNvPr>
@@ -9698,7 +9678,7 @@
           <p:cNvPr id="3" name="직사각형 2">
             <a:extLst>
               <a:ext uri="{FF2B5EF4-FFF2-40B4-BE49-F238E27FC236}">
-                <a16:creationId xmlns="" xmlns:a16="http://schemas.microsoft.com/office/drawing/2014/main" id="{24226CFB-2449-4A2B-B168-A1DE28C29CF7}"/>
+                <a16:creationId xmlns:a16="http://schemas.microsoft.com/office/drawing/2014/main" xmlns="" id="{24226CFB-2449-4A2B-B168-A1DE28C29CF7}"/>
               </a:ext>
             </a:extLst>
           </p:cNvPr>
@@ -9752,7 +9732,7 @@
           <p:cNvPr id="10" name="TextBox 9">
             <a:extLst>
               <a:ext uri="{FF2B5EF4-FFF2-40B4-BE49-F238E27FC236}">
-                <a16:creationId xmlns="" xmlns:a16="http://schemas.microsoft.com/office/drawing/2014/main" id="{F6515F39-A6A7-4D3C-BA5D-136CDE36BBDA}"/>
+                <a16:creationId xmlns:a16="http://schemas.microsoft.com/office/drawing/2014/main" xmlns="" id="{F6515F39-A6A7-4D3C-BA5D-136CDE36BBDA}"/>
               </a:ext>
             </a:extLst>
           </p:cNvPr>
@@ -9848,7 +9828,7 @@
           <p:cNvPr id="6" name="TextBox 5">
             <a:extLst>
               <a:ext uri="{FF2B5EF4-FFF2-40B4-BE49-F238E27FC236}">
-                <a16:creationId xmlns="" xmlns:a16="http://schemas.microsoft.com/office/drawing/2014/main" id="{F824082B-B414-4425-AF71-5305E8B4881C}"/>
+                <a16:creationId xmlns:a16="http://schemas.microsoft.com/office/drawing/2014/main" xmlns="" id="{F824082B-B414-4425-AF71-5305E8B4881C}"/>
               </a:ext>
             </a:extLst>
           </p:cNvPr>
